--- a/PowerPoint/themes/theme9/corner.pptx
+++ b/PowerPoint/themes/theme9/corner.pptx
@@ -7,7 +7,7 @@
   <p:sldIdLst>
     <p:sldId id="256" r:id="rId2"/>
   </p:sldIdLst>
-  <p:sldSz cx="9144000" cy="6858000" type="screen4x3"/>
+  <p:sldSz cx="9144000" cy="5143500" type="screen16x9"/>
   <p:notesSz cx="6858000" cy="9144000"/>
   <p:defaultTextStyle>
     <a:defPPr>
@@ -136,8 +136,8 @@
         </p:nvSpPr>
         <p:spPr>
           <a:xfrm>
-            <a:off x="685800" y="2130425"/>
-            <a:ext cx="7772400" cy="1470025"/>
+            <a:off x="685800" y="1597819"/>
+            <a:ext cx="7772400" cy="1102519"/>
           </a:xfrm>
         </p:spPr>
         <p:txBody>
@@ -168,8 +168,8 @@
         </p:nvSpPr>
         <p:spPr>
           <a:xfrm>
-            <a:off x="1371600" y="3886200"/>
-            <a:ext cx="6400800" cy="1752600"/>
+            <a:off x="1371600" y="2914650"/>
+            <a:ext cx="6400800" cy="1314450"/>
           </a:xfrm>
         </p:spPr>
         <p:txBody>
@@ -292,7 +292,7 @@
           <a:p>
             <a:fld id="{86EB4D43-F783-4E09-8208-6AA351DBC29B}" type="datetimeFigureOut">
               <a:rPr lang="ru-RU" smtClean="0"/>
-              <a:t>03.12.2012</a:t>
+              <a:t>22.10.2013</a:t>
             </a:fld>
             <a:endParaRPr lang="ru-RU"/>
           </a:p>
@@ -469,7 +469,7 @@
           <a:p>
             <a:fld id="{86EB4D43-F783-4E09-8208-6AA351DBC29B}" type="datetimeFigureOut">
               <a:rPr lang="ru-RU" smtClean="0"/>
-              <a:t>03.12.2012</a:t>
+              <a:t>22.10.2013</a:t>
             </a:fld>
             <a:endParaRPr lang="ru-RU"/>
           </a:p>
@@ -527,6 +527,13 @@
   <p:clrMapOvr>
     <a:masterClrMapping/>
   </p:clrMapOvr>
+  <p:timing>
+    <p:tnLst>
+      <p:par>
+        <p:cTn id="1" dur="indefinite" restart="never" nodeType="tmRoot"/>
+      </p:par>
+    </p:tnLst>
+  </p:timing>
 </p:sldLayout>
 </file>
 
@@ -559,8 +566,8 @@
         </p:nvSpPr>
         <p:spPr>
           <a:xfrm>
-            <a:off x="6629400" y="274638"/>
-            <a:ext cx="2057400" cy="5851525"/>
+            <a:off x="6629400" y="205979"/>
+            <a:ext cx="2057400" cy="4388644"/>
           </a:xfrm>
         </p:spPr>
         <p:txBody>
@@ -591,8 +598,8 @@
         </p:nvSpPr>
         <p:spPr>
           <a:xfrm>
-            <a:off x="457200" y="274638"/>
-            <a:ext cx="6019800" cy="5851525"/>
+            <a:off x="457200" y="205979"/>
+            <a:ext cx="6019800" cy="4388644"/>
           </a:xfrm>
         </p:spPr>
         <p:txBody>
@@ -653,7 +660,7 @@
           <a:p>
             <a:fld id="{86EB4D43-F783-4E09-8208-6AA351DBC29B}" type="datetimeFigureOut">
               <a:rPr lang="ru-RU" smtClean="0"/>
-              <a:t>03.12.2012</a:t>
+              <a:t>22.10.2013</a:t>
             </a:fld>
             <a:endParaRPr lang="ru-RU"/>
           </a:p>
@@ -711,6 +718,13 @@
   <p:clrMapOvr>
     <a:masterClrMapping/>
   </p:clrMapOvr>
+  <p:timing>
+    <p:tnLst>
+      <p:par>
+        <p:cTn id="1" dur="indefinite" restart="never" nodeType="tmRoot"/>
+      </p:par>
+    </p:tnLst>
+  </p:timing>
 </p:sldLayout>
 </file>
 
@@ -823,7 +837,7 @@
           <a:p>
             <a:fld id="{86EB4D43-F783-4E09-8208-6AA351DBC29B}" type="datetimeFigureOut">
               <a:rPr lang="ru-RU" smtClean="0"/>
-              <a:t>03.12.2012</a:t>
+              <a:t>22.10.2013</a:t>
             </a:fld>
             <a:endParaRPr lang="ru-RU"/>
           </a:p>
@@ -881,6 +895,13 @@
   <p:clrMapOvr>
     <a:masterClrMapping/>
   </p:clrMapOvr>
+  <p:timing>
+    <p:tnLst>
+      <p:par>
+        <p:cTn id="1" dur="indefinite" restart="never" nodeType="tmRoot"/>
+      </p:par>
+    </p:tnLst>
+  </p:timing>
 </p:sldLayout>
 </file>
 
@@ -913,8 +934,8 @@
         </p:nvSpPr>
         <p:spPr>
           <a:xfrm>
-            <a:off x="722313" y="4406900"/>
-            <a:ext cx="7772400" cy="1362075"/>
+            <a:off x="722313" y="3305176"/>
+            <a:ext cx="7772400" cy="1021556"/>
           </a:xfrm>
         </p:spPr>
         <p:txBody>
@@ -945,8 +966,8 @@
         </p:nvSpPr>
         <p:spPr>
           <a:xfrm>
-            <a:off x="722313" y="2906713"/>
-            <a:ext cx="7772400" cy="1500187"/>
+            <a:off x="722313" y="2180035"/>
+            <a:ext cx="7772400" cy="1125140"/>
           </a:xfrm>
         </p:spPr>
         <p:txBody>
@@ -1069,7 +1090,7 @@
           <a:p>
             <a:fld id="{86EB4D43-F783-4E09-8208-6AA351DBC29B}" type="datetimeFigureOut">
               <a:rPr lang="ru-RU" smtClean="0"/>
-              <a:t>03.12.2012</a:t>
+              <a:t>22.10.2013</a:t>
             </a:fld>
             <a:endParaRPr lang="ru-RU"/>
           </a:p>
@@ -1127,6 +1148,13 @@
   <p:clrMapOvr>
     <a:masterClrMapping/>
   </p:clrMapOvr>
+  <p:timing>
+    <p:tnLst>
+      <p:par>
+        <p:cTn id="1" dur="indefinite" restart="never" nodeType="tmRoot"/>
+      </p:par>
+    </p:tnLst>
+  </p:timing>
 </p:sldLayout>
 </file>
 
@@ -1182,8 +1210,8 @@
         </p:nvSpPr>
         <p:spPr>
           <a:xfrm>
-            <a:off x="1187624" y="1600200"/>
-            <a:ext cx="3528392" cy="4525963"/>
+            <a:off x="1187624" y="1200151"/>
+            <a:ext cx="3528392" cy="3394472"/>
           </a:xfrm>
         </p:spPr>
         <p:txBody>
@@ -1267,8 +1295,8 @@
         </p:nvSpPr>
         <p:spPr>
           <a:xfrm>
-            <a:off x="4932040" y="1600200"/>
-            <a:ext cx="3754760" cy="4525963"/>
+            <a:off x="4932040" y="1200151"/>
+            <a:ext cx="3754760" cy="3394472"/>
           </a:xfrm>
         </p:spPr>
         <p:txBody>
@@ -1357,7 +1385,7 @@
           <a:p>
             <a:fld id="{86EB4D43-F783-4E09-8208-6AA351DBC29B}" type="datetimeFigureOut">
               <a:rPr lang="ru-RU" smtClean="0"/>
-              <a:t>03.12.2012</a:t>
+              <a:t>22.10.2013</a:t>
             </a:fld>
             <a:endParaRPr lang="ru-RU"/>
           </a:p>
@@ -1415,6 +1443,13 @@
   <p:clrMapOvr>
     <a:masterClrMapping/>
   </p:clrMapOvr>
+  <p:timing>
+    <p:tnLst>
+      <p:par>
+        <p:cTn id="1" dur="indefinite" restart="never" nodeType="tmRoot"/>
+      </p:par>
+    </p:tnLst>
+  </p:timing>
 </p:sldLayout>
 </file>
 
@@ -1474,8 +1509,8 @@
         </p:nvSpPr>
         <p:spPr>
           <a:xfrm>
-            <a:off x="1187624" y="1535113"/>
-            <a:ext cx="3528392" cy="639762"/>
+            <a:off x="1187624" y="1151335"/>
+            <a:ext cx="3528392" cy="479822"/>
           </a:xfrm>
         </p:spPr>
         <p:txBody>
@@ -1539,8 +1574,8 @@
         </p:nvSpPr>
         <p:spPr>
           <a:xfrm>
-            <a:off x="1187624" y="2174875"/>
-            <a:ext cx="3528392" cy="3951288"/>
+            <a:off x="1187624" y="1631156"/>
+            <a:ext cx="3528392" cy="2963466"/>
           </a:xfrm>
         </p:spPr>
         <p:txBody>
@@ -1624,8 +1659,8 @@
         </p:nvSpPr>
         <p:spPr>
           <a:xfrm>
-            <a:off x="4860032" y="1535113"/>
-            <a:ext cx="3826768" cy="639762"/>
+            <a:off x="4860032" y="1151335"/>
+            <a:ext cx="3826768" cy="479822"/>
           </a:xfrm>
         </p:spPr>
         <p:txBody>
@@ -1689,8 +1724,8 @@
         </p:nvSpPr>
         <p:spPr>
           <a:xfrm>
-            <a:off x="4860032" y="2174875"/>
-            <a:ext cx="3826768" cy="3951288"/>
+            <a:off x="4860032" y="1631156"/>
+            <a:ext cx="3826768" cy="2963466"/>
           </a:xfrm>
         </p:spPr>
         <p:txBody>
@@ -1779,7 +1814,7 @@
           <a:p>
             <a:fld id="{86EB4D43-F783-4E09-8208-6AA351DBC29B}" type="datetimeFigureOut">
               <a:rPr lang="ru-RU" smtClean="0"/>
-              <a:t>03.12.2012</a:t>
+              <a:t>22.10.2013</a:t>
             </a:fld>
             <a:endParaRPr lang="ru-RU"/>
           </a:p>
@@ -1837,6 +1872,13 @@
   <p:clrMapOvr>
     <a:masterClrMapping/>
   </p:clrMapOvr>
+  <p:timing>
+    <p:tnLst>
+      <p:par>
+        <p:cTn id="1" dur="indefinite" restart="never" nodeType="tmRoot"/>
+      </p:par>
+    </p:tnLst>
+  </p:timing>
 </p:sldLayout>
 </file>
 
@@ -1897,7 +1939,7 @@
           <a:p>
             <a:fld id="{86EB4D43-F783-4E09-8208-6AA351DBC29B}" type="datetimeFigureOut">
               <a:rPr lang="ru-RU" smtClean="0"/>
-              <a:t>03.12.2012</a:t>
+              <a:t>22.10.2013</a:t>
             </a:fld>
             <a:endParaRPr lang="ru-RU"/>
           </a:p>
@@ -1955,6 +1997,13 @@
   <p:clrMapOvr>
     <a:masterClrMapping/>
   </p:clrMapOvr>
+  <p:timing>
+    <p:tnLst>
+      <p:par>
+        <p:cTn id="1" dur="indefinite" restart="never" nodeType="tmRoot"/>
+      </p:par>
+    </p:tnLst>
+  </p:timing>
 </p:sldLayout>
 </file>
 
@@ -1992,7 +2041,7 @@
           <a:p>
             <a:fld id="{86EB4D43-F783-4E09-8208-6AA351DBC29B}" type="datetimeFigureOut">
               <a:rPr lang="ru-RU" smtClean="0"/>
-              <a:t>03.12.2012</a:t>
+              <a:t>22.10.2013</a:t>
             </a:fld>
             <a:endParaRPr lang="ru-RU"/>
           </a:p>
@@ -2050,6 +2099,13 @@
   <p:clrMapOvr>
     <a:masterClrMapping/>
   </p:clrMapOvr>
+  <p:timing>
+    <p:tnLst>
+      <p:par>
+        <p:cTn id="1" dur="indefinite" restart="never" nodeType="tmRoot"/>
+      </p:par>
+    </p:tnLst>
+  </p:timing>
 </p:sldLayout>
 </file>
 
@@ -2082,8 +2138,8 @@
         </p:nvSpPr>
         <p:spPr>
           <a:xfrm>
-            <a:off x="1187624" y="273050"/>
-            <a:ext cx="2664296" cy="1162050"/>
+            <a:off x="1187624" y="204787"/>
+            <a:ext cx="2664296" cy="871538"/>
           </a:xfrm>
         </p:spPr>
         <p:txBody>
@@ -2114,8 +2170,8 @@
         </p:nvSpPr>
         <p:spPr>
           <a:xfrm>
-            <a:off x="3995936" y="273050"/>
-            <a:ext cx="4690864" cy="5853113"/>
+            <a:off x="3995936" y="204788"/>
+            <a:ext cx="4690864" cy="4389835"/>
           </a:xfrm>
         </p:spPr>
         <p:txBody>
@@ -2199,8 +2255,8 @@
         </p:nvSpPr>
         <p:spPr>
           <a:xfrm>
-            <a:off x="1187624" y="1435100"/>
-            <a:ext cx="2664296" cy="4691063"/>
+            <a:off x="1187624" y="1076326"/>
+            <a:ext cx="2664296" cy="3518297"/>
           </a:xfrm>
         </p:spPr>
         <p:txBody>
@@ -2269,7 +2325,7 @@
           <a:p>
             <a:fld id="{86EB4D43-F783-4E09-8208-6AA351DBC29B}" type="datetimeFigureOut">
               <a:rPr lang="ru-RU" smtClean="0"/>
-              <a:t>03.12.2012</a:t>
+              <a:t>22.10.2013</a:t>
             </a:fld>
             <a:endParaRPr lang="ru-RU"/>
           </a:p>
@@ -2327,6 +2383,13 @@
   <p:clrMapOvr>
     <a:masterClrMapping/>
   </p:clrMapOvr>
+  <p:timing>
+    <p:tnLst>
+      <p:par>
+        <p:cTn id="1" dur="indefinite" restart="never" nodeType="tmRoot"/>
+      </p:par>
+    </p:tnLst>
+  </p:timing>
 </p:sldLayout>
 </file>
 
@@ -2359,8 +2422,8 @@
         </p:nvSpPr>
         <p:spPr>
           <a:xfrm>
-            <a:off x="1187624" y="4800600"/>
-            <a:ext cx="7488832" cy="566738"/>
+            <a:off x="1187624" y="3600450"/>
+            <a:ext cx="7488832" cy="425054"/>
           </a:xfrm>
         </p:spPr>
         <p:txBody>
@@ -2391,8 +2454,8 @@
         </p:nvSpPr>
         <p:spPr>
           <a:xfrm>
-            <a:off x="1187624" y="612775"/>
-            <a:ext cx="7488832" cy="4114800"/>
+            <a:off x="1187624" y="459581"/>
+            <a:ext cx="7488832" cy="3086100"/>
           </a:xfrm>
         </p:spPr>
         <p:txBody>
@@ -2452,8 +2515,8 @@
         </p:nvSpPr>
         <p:spPr>
           <a:xfrm>
-            <a:off x="1187624" y="5367338"/>
-            <a:ext cx="7488832" cy="804862"/>
+            <a:off x="1187624" y="4025503"/>
+            <a:ext cx="7488832" cy="603647"/>
           </a:xfrm>
         </p:spPr>
         <p:txBody>
@@ -2522,7 +2585,7 @@
           <a:p>
             <a:fld id="{86EB4D43-F783-4E09-8208-6AA351DBC29B}" type="datetimeFigureOut">
               <a:rPr lang="ru-RU" smtClean="0"/>
-              <a:t>03.12.2012</a:t>
+              <a:t>22.10.2013</a:t>
             </a:fld>
             <a:endParaRPr lang="ru-RU"/>
           </a:p>
@@ -2580,6 +2643,13 @@
   <p:clrMapOvr>
     <a:masterClrMapping/>
   </p:clrMapOvr>
+  <p:timing>
+    <p:tnLst>
+      <p:par>
+        <p:cTn id="1" dur="indefinite" restart="never" nodeType="tmRoot"/>
+      </p:par>
+    </p:tnLst>
+  </p:timing>
 </p:sldLayout>
 </file>
 
@@ -2617,8 +2687,8 @@
         </p:nvSpPr>
         <p:spPr>
           <a:xfrm>
-            <a:off x="1187624" y="1600200"/>
-            <a:ext cx="7499176" cy="4525963"/>
+            <a:off x="1187624" y="1200151"/>
+            <a:ext cx="7499176" cy="3394472"/>
           </a:xfrm>
           <a:prstGeom prst="rect">
             <a:avLst/>
@@ -2678,7 +2748,7 @@
         <p:spPr>
           <a:xfrm>
             <a:off x="0" y="0"/>
-            <a:ext cx="9144000" cy="6858000"/>
+            <a:ext cx="9144000" cy="5143500"/>
           </a:xfrm>
           <a:custGeom>
             <a:avLst/>
@@ -2755,7 +2825,7 @@
         <p:spPr>
           <a:xfrm>
             <a:off x="0" y="0"/>
-            <a:ext cx="9144000" cy="6858000"/>
+            <a:ext cx="9144000" cy="5143500"/>
           </a:xfrm>
         </p:spPr>
       </p:sp>
@@ -2770,7 +2840,7 @@
         <p:spPr>
           <a:xfrm>
             <a:off x="0" y="0"/>
-            <a:ext cx="9144000" cy="6858000"/>
+            <a:ext cx="9144000" cy="5143500"/>
           </a:xfrm>
           <a:custGeom>
             <a:avLst/>
@@ -2867,7 +2937,7 @@
         <p:spPr>
           <a:xfrm>
             <a:off x="0" y="0"/>
-            <a:ext cx="9144000" cy="6858000"/>
+            <a:ext cx="9144000" cy="5143500"/>
           </a:xfrm>
           <a:custGeom>
             <a:avLst/>
@@ -2964,7 +3034,7 @@
         <p:spPr>
           <a:xfrm>
             <a:off x="0" y="0"/>
-            <a:ext cx="9144000" cy="6858000"/>
+            <a:ext cx="9144000" cy="5143500"/>
           </a:xfrm>
           <a:custGeom>
             <a:avLst/>
@@ -3061,7 +3131,7 @@
         <p:spPr>
           <a:xfrm>
             <a:off x="0" y="0"/>
-            <a:ext cx="9144000" cy="6858000"/>
+            <a:ext cx="9144000" cy="5143500"/>
           </a:xfrm>
           <a:custGeom>
             <a:avLst/>
@@ -3158,7 +3228,7 @@
         <p:spPr>
           <a:xfrm>
             <a:off x="0" y="0"/>
-            <a:ext cx="9144000" cy="6858000"/>
+            <a:ext cx="9144000" cy="5143500"/>
           </a:xfrm>
           <a:custGeom>
             <a:avLst/>
@@ -3255,7 +3325,7 @@
         <p:spPr>
           <a:xfrm>
             <a:off x="0" y="0"/>
-            <a:ext cx="9144000" cy="6858000"/>
+            <a:ext cx="9144000" cy="5143500"/>
           </a:xfrm>
           <a:custGeom>
             <a:avLst/>
@@ -3352,7 +3422,7 @@
         <p:spPr>
           <a:xfrm>
             <a:off x="0" y="0"/>
-            <a:ext cx="9144000" cy="6858000"/>
+            <a:ext cx="9144000" cy="5143500"/>
           </a:xfrm>
           <a:custGeom>
             <a:avLst/>
@@ -3449,7 +3519,7 @@
         <p:spPr>
           <a:xfrm>
             <a:off x="0" y="0"/>
-            <a:ext cx="9144000" cy="6858000"/>
+            <a:ext cx="9144000" cy="5143500"/>
           </a:xfrm>
           <a:custGeom>
             <a:avLst/>
@@ -3546,7 +3616,7 @@
         <p:spPr>
           <a:xfrm>
             <a:off x="0" y="0"/>
-            <a:ext cx="9144000" cy="6858000"/>
+            <a:ext cx="9144000" cy="5143500"/>
           </a:xfrm>
           <a:custGeom>
             <a:avLst/>
@@ -3643,7 +3713,7 @@
         <p:spPr>
           <a:xfrm>
             <a:off x="0" y="0"/>
-            <a:ext cx="9144000" cy="6858000"/>
+            <a:ext cx="9144000" cy="5143500"/>
           </a:xfrm>
           <a:custGeom>
             <a:avLst/>
@@ -3740,7 +3810,7 @@
         <p:spPr>
           <a:xfrm>
             <a:off x="0" y="0"/>
-            <a:ext cx="9144000" cy="6858000"/>
+            <a:ext cx="9144000" cy="5143500"/>
           </a:xfrm>
           <a:custGeom>
             <a:avLst/>
@@ -3836,8 +3906,8 @@
         </p:nvSpPr>
         <p:spPr>
           <a:xfrm>
-            <a:off x="1187624" y="274638"/>
-            <a:ext cx="7499176" cy="1143000"/>
+            <a:off x="1187624" y="205979"/>
+            <a:ext cx="7499176" cy="857250"/>
           </a:xfrm>
           <a:prstGeom prst="rect">
             <a:avLst/>
@@ -3869,8 +3939,8 @@
         </p:nvSpPr>
         <p:spPr>
           <a:xfrm>
-            <a:off x="6948264" y="6356350"/>
-            <a:ext cx="1738536" cy="365125"/>
+            <a:off x="6948264" y="4767263"/>
+            <a:ext cx="1738536" cy="273844"/>
           </a:xfrm>
           <a:prstGeom prst="rect">
             <a:avLst/>
@@ -3914,8 +3984,8 @@
         </p:nvSpPr>
         <p:spPr>
           <a:xfrm>
-            <a:off x="1214264" y="6356350"/>
-            <a:ext cx="2133600" cy="365125"/>
+            <a:off x="1214264" y="4767263"/>
+            <a:ext cx="2133600" cy="273844"/>
           </a:xfrm>
           <a:prstGeom prst="rect">
             <a:avLst/>
@@ -3937,7 +4007,7 @@
           <a:p>
             <a:fld id="{86EB4D43-F783-4E09-8208-6AA351DBC29B}" type="datetimeFigureOut">
               <a:rPr lang="ru-RU" smtClean="0"/>
-              <a:t>03.12.2012</a:t>
+              <a:t>22.10.2013</a:t>
             </a:fld>
             <a:endParaRPr lang="ru-RU" dirty="0"/>
           </a:p>
@@ -3955,8 +4025,8 @@
         </p:nvSpPr>
         <p:spPr>
           <a:xfrm>
-            <a:off x="3844280" y="6356350"/>
-            <a:ext cx="2671936" cy="365125"/>
+            <a:off x="3844280" y="4767263"/>
+            <a:ext cx="2671936" cy="273844"/>
           </a:xfrm>
           <a:prstGeom prst="rect">
             <a:avLst/>

--- a/PowerPoint/themes/theme9/corner.pptx
+++ b/PowerPoint/themes/theme9/corner.pptx
@@ -4687,909 +4687,6 @@
     </a:fmtScheme>
   </a:themeElements>
   <a:objectDefaults/>
-  <a:extraClrSchemeLst>
-    <a:extraClrScheme>
-      <a:clrScheme name="Office">
-        <a:dk1>
-          <a:sysClr val="windowText" lastClr="000000"/>
-        </a:dk1>
-        <a:lt1>
-          <a:sysClr val="window" lastClr="FFFFFF"/>
-        </a:lt1>
-        <a:dk2>
-          <a:srgbClr val="1F497D"/>
-        </a:dk2>
-        <a:lt2>
-          <a:srgbClr val="EEECE1"/>
-        </a:lt2>
-        <a:accent1>
-          <a:srgbClr val="4F81BD"/>
-        </a:accent1>
-        <a:accent2>
-          <a:srgbClr val="C0504D"/>
-        </a:accent2>
-        <a:accent3>
-          <a:srgbClr val="9BBB59"/>
-        </a:accent3>
-        <a:accent4>
-          <a:srgbClr val="8064A2"/>
-        </a:accent4>
-        <a:accent5>
-          <a:srgbClr val="4BACC6"/>
-        </a:accent5>
-        <a:accent6>
-          <a:srgbClr val="F79646"/>
-        </a:accent6>
-        <a:hlink>
-          <a:srgbClr val="0000FF"/>
-        </a:hlink>
-        <a:folHlink>
-          <a:srgbClr val="800080"/>
-        </a:folHlink>
-      </a:clrScheme>
-      <a:clrMap bg1="lt1" tx1="dk1" bg2="lt2" tx2="dk2" accent1="accent1" accent2="accent2" accent3="accent3" accent4="accent4" accent5="accent5" accent6="accent6" hlink="hlink" folHlink="folHlink"/>
-    </a:extraClrScheme>
-    <a:extraClrScheme>
-      <a:clrScheme name="Grayscale">
-        <a:dk1>
-          <a:sysClr val="windowText" lastClr="000000"/>
-        </a:dk1>
-        <a:lt1>
-          <a:sysClr val="window" lastClr="FFFFFF"/>
-        </a:lt1>
-        <a:dk2>
-          <a:srgbClr val="000000"/>
-        </a:dk2>
-        <a:lt2>
-          <a:srgbClr val="F8F8F8"/>
-        </a:lt2>
-        <a:accent1>
-          <a:srgbClr val="DDDDDD"/>
-        </a:accent1>
-        <a:accent2>
-          <a:srgbClr val="B2B2B2"/>
-        </a:accent2>
-        <a:accent3>
-          <a:srgbClr val="969696"/>
-        </a:accent3>
-        <a:accent4>
-          <a:srgbClr val="808080"/>
-        </a:accent4>
-        <a:accent5>
-          <a:srgbClr val="5F5F5F"/>
-        </a:accent5>
-        <a:accent6>
-          <a:srgbClr val="4D4D4D"/>
-        </a:accent6>
-        <a:hlink>
-          <a:srgbClr val="5F5F5F"/>
-        </a:hlink>
-        <a:folHlink>
-          <a:srgbClr val="919191"/>
-        </a:folHlink>
-      </a:clrScheme>
-      <a:clrMap bg1="lt1" tx1="dk1" bg2="lt2" tx2="dk2" accent1="accent1" accent2="accent2" accent3="accent3" accent4="accent4" accent5="accent5" accent6="accent6" hlink="hlink" folHlink="folHlink"/>
-    </a:extraClrScheme>
-    <a:extraClrScheme>
-      <a:clrScheme name="Apex">
-        <a:dk1>
-          <a:sysClr val="windowText" lastClr="000000"/>
-        </a:dk1>
-        <a:lt1>
-          <a:sysClr val="window" lastClr="FFFFFF"/>
-        </a:lt1>
-        <a:dk2>
-          <a:srgbClr val="69676D"/>
-        </a:dk2>
-        <a:lt2>
-          <a:srgbClr val="C9C2D1"/>
-        </a:lt2>
-        <a:accent1>
-          <a:srgbClr val="CEB966"/>
-        </a:accent1>
-        <a:accent2>
-          <a:srgbClr val="9CB084"/>
-        </a:accent2>
-        <a:accent3>
-          <a:srgbClr val="6BB1C9"/>
-        </a:accent3>
-        <a:accent4>
-          <a:srgbClr val="6585CF"/>
-        </a:accent4>
-        <a:accent5>
-          <a:srgbClr val="7E6BC9"/>
-        </a:accent5>
-        <a:accent6>
-          <a:srgbClr val="A379BB"/>
-        </a:accent6>
-        <a:hlink>
-          <a:srgbClr val="410082"/>
-        </a:hlink>
-        <a:folHlink>
-          <a:srgbClr val="932968"/>
-        </a:folHlink>
-      </a:clrScheme>
-      <a:clrMap bg1="lt1" tx1="dk1" bg2="lt2" tx2="dk2" accent1="accent1" accent2="accent2" accent3="accent3" accent4="accent4" accent5="accent5" accent6="accent6" hlink="hlink" folHlink="folHlink"/>
-    </a:extraClrScheme>
-    <a:extraClrScheme>
-      <a:clrScheme name="Aspect">
-        <a:dk1>
-          <a:sysClr val="windowText" lastClr="000000"/>
-        </a:dk1>
-        <a:lt1>
-          <a:sysClr val="window" lastClr="FFFFFF"/>
-        </a:lt1>
-        <a:dk2>
-          <a:srgbClr val="323232"/>
-        </a:dk2>
-        <a:lt2>
-          <a:srgbClr val="E3DED1"/>
-        </a:lt2>
-        <a:accent1>
-          <a:srgbClr val="F07F09"/>
-        </a:accent1>
-        <a:accent2>
-          <a:srgbClr val="9F2936"/>
-        </a:accent2>
-        <a:accent3>
-          <a:srgbClr val="1B587C"/>
-        </a:accent3>
-        <a:accent4>
-          <a:srgbClr val="4E8542"/>
-        </a:accent4>
-        <a:accent5>
-          <a:srgbClr val="604878"/>
-        </a:accent5>
-        <a:accent6>
-          <a:srgbClr val="C19859"/>
-        </a:accent6>
-        <a:hlink>
-          <a:srgbClr val="6B9F25"/>
-        </a:hlink>
-        <a:folHlink>
-          <a:srgbClr val="B26B02"/>
-        </a:folHlink>
-      </a:clrScheme>
-      <a:clrMap bg1="lt1" tx1="dk1" bg2="lt2" tx2="dk2" accent1="accent1" accent2="accent2" accent3="accent3" accent4="accent4" accent5="accent5" accent6="accent6" hlink="hlink" folHlink="folHlink"/>
-    </a:extraClrScheme>
-    <a:extraClrScheme>
-      <a:clrScheme name="Civic">
-        <a:dk1>
-          <a:sysClr val="windowText" lastClr="000000"/>
-        </a:dk1>
-        <a:lt1>
-          <a:sysClr val="window" lastClr="FFFFFF"/>
-        </a:lt1>
-        <a:dk2>
-          <a:srgbClr val="646B86"/>
-        </a:dk2>
-        <a:lt2>
-          <a:srgbClr val="C5D1D7"/>
-        </a:lt2>
-        <a:accent1>
-          <a:srgbClr val="D16349"/>
-        </a:accent1>
-        <a:accent2>
-          <a:srgbClr val="CCB400"/>
-        </a:accent2>
-        <a:accent3>
-          <a:srgbClr val="8CADAE"/>
-        </a:accent3>
-        <a:accent4>
-          <a:srgbClr val="8C7B70"/>
-        </a:accent4>
-        <a:accent5>
-          <a:srgbClr val="8FB08C"/>
-        </a:accent5>
-        <a:accent6>
-          <a:srgbClr val="D19049"/>
-        </a:accent6>
-        <a:hlink>
-          <a:srgbClr val="00A3D6"/>
-        </a:hlink>
-        <a:folHlink>
-          <a:srgbClr val="694F07"/>
-        </a:folHlink>
-      </a:clrScheme>
-      <a:clrMap bg1="lt1" tx1="dk1" bg2="lt2" tx2="dk2" accent1="accent1" accent2="accent2" accent3="accent3" accent4="accent4" accent5="accent5" accent6="accent6" hlink="hlink" folHlink="folHlink"/>
-    </a:extraClrScheme>
-    <a:extraClrScheme>
-      <a:clrScheme name="Concourse">
-        <a:dk1>
-          <a:sysClr val="windowText" lastClr="000000"/>
-        </a:dk1>
-        <a:lt1>
-          <a:sysClr val="window" lastClr="FFFFFF"/>
-        </a:lt1>
-        <a:dk2>
-          <a:srgbClr val="464646"/>
-        </a:dk2>
-        <a:lt2>
-          <a:srgbClr val="DEF5FA"/>
-        </a:lt2>
-        <a:accent1>
-          <a:srgbClr val="2DA2BF"/>
-        </a:accent1>
-        <a:accent2>
-          <a:srgbClr val="DA1F28"/>
-        </a:accent2>
-        <a:accent3>
-          <a:srgbClr val="EB641B"/>
-        </a:accent3>
-        <a:accent4>
-          <a:srgbClr val="39639D"/>
-        </a:accent4>
-        <a:accent5>
-          <a:srgbClr val="474B78"/>
-        </a:accent5>
-        <a:accent6>
-          <a:srgbClr val="7D3C4A"/>
-        </a:accent6>
-        <a:hlink>
-          <a:srgbClr val="FF8119"/>
-        </a:hlink>
-        <a:folHlink>
-          <a:srgbClr val="44B9E8"/>
-        </a:folHlink>
-      </a:clrScheme>
-      <a:clrMap bg1="lt1" tx1="dk1" bg2="lt2" tx2="dk2" accent1="accent1" accent2="accent2" accent3="accent3" accent4="accent4" accent5="accent5" accent6="accent6" hlink="hlink" folHlink="folHlink"/>
-    </a:extraClrScheme>
-    <a:extraClrScheme>
-      <a:clrScheme name="Equity">
-        <a:dk1>
-          <a:sysClr val="windowText" lastClr="000000"/>
-        </a:dk1>
-        <a:lt1>
-          <a:sysClr val="window" lastClr="FFFFFF"/>
-        </a:lt1>
-        <a:dk2>
-          <a:srgbClr val="696464"/>
-        </a:dk2>
-        <a:lt2>
-          <a:srgbClr val="E9E5DC"/>
-        </a:lt2>
-        <a:accent1>
-          <a:srgbClr val="D34817"/>
-        </a:accent1>
-        <a:accent2>
-          <a:srgbClr val="9B2D1F"/>
-        </a:accent2>
-        <a:accent3>
-          <a:srgbClr val="A28E6A"/>
-        </a:accent3>
-        <a:accent4>
-          <a:srgbClr val="956251"/>
-        </a:accent4>
-        <a:accent5>
-          <a:srgbClr val="918485"/>
-        </a:accent5>
-        <a:accent6>
-          <a:srgbClr val="855D5D"/>
-        </a:accent6>
-        <a:hlink>
-          <a:srgbClr val="CC9900"/>
-        </a:hlink>
-        <a:folHlink>
-          <a:srgbClr val="96A9A9"/>
-        </a:folHlink>
-      </a:clrScheme>
-      <a:clrMap bg1="lt1" tx1="dk1" bg2="lt2" tx2="dk2" accent1="accent1" accent2="accent2" accent3="accent3" accent4="accent4" accent5="accent5" accent6="accent6" hlink="hlink" folHlink="folHlink"/>
-    </a:extraClrScheme>
-    <a:extraClrScheme>
-      <a:clrScheme name="Flow">
-        <a:dk1>
-          <a:sysClr val="windowText" lastClr="000000"/>
-        </a:dk1>
-        <a:lt1>
-          <a:sysClr val="window" lastClr="FFFFFF"/>
-        </a:lt1>
-        <a:dk2>
-          <a:srgbClr val="04617B"/>
-        </a:dk2>
-        <a:lt2>
-          <a:srgbClr val="DBF5F9"/>
-        </a:lt2>
-        <a:accent1>
-          <a:srgbClr val="0F6FC6"/>
-        </a:accent1>
-        <a:accent2>
-          <a:srgbClr val="009DD9"/>
-        </a:accent2>
-        <a:accent3>
-          <a:srgbClr val="0BD0D9"/>
-        </a:accent3>
-        <a:accent4>
-          <a:srgbClr val="10CF9B"/>
-        </a:accent4>
-        <a:accent5>
-          <a:srgbClr val="7CCA62"/>
-        </a:accent5>
-        <a:accent6>
-          <a:srgbClr val="A5C249"/>
-        </a:accent6>
-        <a:hlink>
-          <a:srgbClr val="F49100"/>
-        </a:hlink>
-        <a:folHlink>
-          <a:srgbClr val="85DFD0"/>
-        </a:folHlink>
-      </a:clrScheme>
-      <a:clrMap bg1="lt1" tx1="dk1" bg2="lt2" tx2="dk2" accent1="accent1" accent2="accent2" accent3="accent3" accent4="accent4" accent5="accent5" accent6="accent6" hlink="hlink" folHlink="folHlink"/>
-    </a:extraClrScheme>
-    <a:extraClrScheme>
-      <a:clrScheme name="Foundry">
-        <a:dk1>
-          <a:sysClr val="windowText" lastClr="000000"/>
-        </a:dk1>
-        <a:lt1>
-          <a:sysClr val="window" lastClr="FFFFFF"/>
-        </a:lt1>
-        <a:dk2>
-          <a:srgbClr val="676A55"/>
-        </a:dk2>
-        <a:lt2>
-          <a:srgbClr val="EAEBDE"/>
-        </a:lt2>
-        <a:accent1>
-          <a:srgbClr val="72A376"/>
-        </a:accent1>
-        <a:accent2>
-          <a:srgbClr val="B0CCB0"/>
-        </a:accent2>
-        <a:accent3>
-          <a:srgbClr val="A8CDD7"/>
-        </a:accent3>
-        <a:accent4>
-          <a:srgbClr val="C0BEAF"/>
-        </a:accent4>
-        <a:accent5>
-          <a:srgbClr val="CEC597"/>
-        </a:accent5>
-        <a:accent6>
-          <a:srgbClr val="E8B7B7"/>
-        </a:accent6>
-        <a:hlink>
-          <a:srgbClr val="DB5353"/>
-        </a:hlink>
-        <a:folHlink>
-          <a:srgbClr val="903638"/>
-        </a:folHlink>
-      </a:clrScheme>
-      <a:clrMap bg1="lt1" tx1="dk1" bg2="lt2" tx2="dk2" accent1="accent1" accent2="accent2" accent3="accent3" accent4="accent4" accent5="accent5" accent6="accent6" hlink="hlink" folHlink="folHlink"/>
-    </a:extraClrScheme>
-    <a:extraClrScheme>
-      <a:clrScheme name="Median">
-        <a:dk1>
-          <a:sysClr val="windowText" lastClr="000000"/>
-        </a:dk1>
-        <a:lt1>
-          <a:sysClr val="window" lastClr="FFFFFF"/>
-        </a:lt1>
-        <a:dk2>
-          <a:srgbClr val="775F55"/>
-        </a:dk2>
-        <a:lt2>
-          <a:srgbClr val="EBDDC3"/>
-        </a:lt2>
-        <a:accent1>
-          <a:srgbClr val="94B6D2"/>
-        </a:accent1>
-        <a:accent2>
-          <a:srgbClr val="DD8047"/>
-        </a:accent2>
-        <a:accent3>
-          <a:srgbClr val="A5AB81"/>
-        </a:accent3>
-        <a:accent4>
-          <a:srgbClr val="D8B25C"/>
-        </a:accent4>
-        <a:accent5>
-          <a:srgbClr val="7BA79D"/>
-        </a:accent5>
-        <a:accent6>
-          <a:srgbClr val="968C8C"/>
-        </a:accent6>
-        <a:hlink>
-          <a:srgbClr val="F7B615"/>
-        </a:hlink>
-        <a:folHlink>
-          <a:srgbClr val="704404"/>
-        </a:folHlink>
-      </a:clrScheme>
-      <a:clrMap bg1="lt1" tx1="dk1" bg2="lt2" tx2="dk2" accent1="accent1" accent2="accent2" accent3="accent3" accent4="accent4" accent5="accent5" accent6="accent6" hlink="hlink" folHlink="folHlink"/>
-    </a:extraClrScheme>
-    <a:extraClrScheme>
-      <a:clrScheme name="Metro">
-        <a:dk1>
-          <a:sysClr val="windowText" lastClr="000000"/>
-        </a:dk1>
-        <a:lt1>
-          <a:sysClr val="window" lastClr="FFFFFF"/>
-        </a:lt1>
-        <a:dk2>
-          <a:srgbClr val="4E5B6F"/>
-        </a:dk2>
-        <a:lt2>
-          <a:srgbClr val="D6ECFF"/>
-        </a:lt2>
-        <a:accent1>
-          <a:srgbClr val="7FD13B"/>
-        </a:accent1>
-        <a:accent2>
-          <a:srgbClr val="EA157A"/>
-        </a:accent2>
-        <a:accent3>
-          <a:srgbClr val="FEB80A"/>
-        </a:accent3>
-        <a:accent4>
-          <a:srgbClr val="00ADDC"/>
-        </a:accent4>
-        <a:accent5>
-          <a:srgbClr val="738AC8"/>
-        </a:accent5>
-        <a:accent6>
-          <a:srgbClr val="1AB39F"/>
-        </a:accent6>
-        <a:hlink>
-          <a:srgbClr val="EB8803"/>
-        </a:hlink>
-        <a:folHlink>
-          <a:srgbClr val="5F7791"/>
-        </a:folHlink>
-      </a:clrScheme>
-      <a:clrMap bg1="lt1" tx1="dk1" bg2="lt2" tx2="dk2" accent1="accent1" accent2="accent2" accent3="accent3" accent4="accent4" accent5="accent5" accent6="accent6" hlink="hlink" folHlink="folHlink"/>
-    </a:extraClrScheme>
-    <a:extraClrScheme>
-      <a:clrScheme name="Module">
-        <a:dk1>
-          <a:sysClr val="windowText" lastClr="000000"/>
-        </a:dk1>
-        <a:lt1>
-          <a:sysClr val="window" lastClr="FFFFFF"/>
-        </a:lt1>
-        <a:dk2>
-          <a:srgbClr val="5A6378"/>
-        </a:dk2>
-        <a:lt2>
-          <a:srgbClr val="D4D4D6"/>
-        </a:lt2>
-        <a:accent1>
-          <a:srgbClr val="F0AD00"/>
-        </a:accent1>
-        <a:accent2>
-          <a:srgbClr val="60B5CC"/>
-        </a:accent2>
-        <a:accent3>
-          <a:srgbClr val="E66C7D"/>
-        </a:accent3>
-        <a:accent4>
-          <a:srgbClr val="6BB76D"/>
-        </a:accent4>
-        <a:accent5>
-          <a:srgbClr val="E88651"/>
-        </a:accent5>
-        <a:accent6>
-          <a:srgbClr val="C64847"/>
-        </a:accent6>
-        <a:hlink>
-          <a:srgbClr val="168BBA"/>
-        </a:hlink>
-        <a:folHlink>
-          <a:srgbClr val="680000"/>
-        </a:folHlink>
-      </a:clrScheme>
-      <a:clrMap bg1="lt1" tx1="dk1" bg2="lt2" tx2="dk2" accent1="accent1" accent2="accent2" accent3="accent3" accent4="accent4" accent5="accent5" accent6="accent6" hlink="hlink" folHlink="folHlink"/>
-    </a:extraClrScheme>
-    <a:extraClrScheme>
-      <a:clrScheme name="Opulent">
-        <a:dk1>
-          <a:sysClr val="windowText" lastClr="000000"/>
-        </a:dk1>
-        <a:lt1>
-          <a:sysClr val="window" lastClr="FFFFFF"/>
-        </a:lt1>
-        <a:dk2>
-          <a:srgbClr val="B13F9A"/>
-        </a:dk2>
-        <a:lt2>
-          <a:srgbClr val="F4E7ED"/>
-        </a:lt2>
-        <a:accent1>
-          <a:srgbClr val="B83D68"/>
-        </a:accent1>
-        <a:accent2>
-          <a:srgbClr val="AC66BB"/>
-        </a:accent2>
-        <a:accent3>
-          <a:srgbClr val="DE6C36"/>
-        </a:accent3>
-        <a:accent4>
-          <a:srgbClr val="F9B639"/>
-        </a:accent4>
-        <a:accent5>
-          <a:srgbClr val="CF6DA4"/>
-        </a:accent5>
-        <a:accent6>
-          <a:srgbClr val="FA8D3D"/>
-        </a:accent6>
-        <a:hlink>
-          <a:srgbClr val="FFDE66"/>
-        </a:hlink>
-        <a:folHlink>
-          <a:srgbClr val="D490C5"/>
-        </a:folHlink>
-      </a:clrScheme>
-      <a:clrMap bg1="lt1" tx1="dk1" bg2="lt2" tx2="dk2" accent1="accent1" accent2="accent2" accent3="accent3" accent4="accent4" accent5="accent5" accent6="accent6" hlink="hlink" folHlink="folHlink"/>
-    </a:extraClrScheme>
-    <a:extraClrScheme>
-      <a:clrScheme name="Oriel">
-        <a:dk1>
-          <a:sysClr val="windowText" lastClr="000000"/>
-        </a:dk1>
-        <a:lt1>
-          <a:sysClr val="window" lastClr="FFFFFF"/>
-        </a:lt1>
-        <a:dk2>
-          <a:srgbClr val="575F6D"/>
-        </a:dk2>
-        <a:lt2>
-          <a:srgbClr val="FFF39D"/>
-        </a:lt2>
-        <a:accent1>
-          <a:srgbClr val="FE8637"/>
-        </a:accent1>
-        <a:accent2>
-          <a:srgbClr val="7598D9"/>
-        </a:accent2>
-        <a:accent3>
-          <a:srgbClr val="B32C16"/>
-        </a:accent3>
-        <a:accent4>
-          <a:srgbClr val="F5CD2D"/>
-        </a:accent4>
-        <a:accent5>
-          <a:srgbClr val="AEBAD5"/>
-        </a:accent5>
-        <a:accent6>
-          <a:srgbClr val="777C84"/>
-        </a:accent6>
-        <a:hlink>
-          <a:srgbClr val="D2611C"/>
-        </a:hlink>
-        <a:folHlink>
-          <a:srgbClr val="3B435B"/>
-        </a:folHlink>
-      </a:clrScheme>
-      <a:clrMap bg1="lt1" tx1="dk1" bg2="lt2" tx2="dk2" accent1="accent1" accent2="accent2" accent3="accent3" accent4="accent4" accent5="accent5" accent6="accent6" hlink="hlink" folHlink="folHlink"/>
-    </a:extraClrScheme>
-    <a:extraClrScheme>
-      <a:clrScheme name="Origin">
-        <a:dk1>
-          <a:sysClr val="windowText" lastClr="000000"/>
-        </a:dk1>
-        <a:lt1>
-          <a:sysClr val="window" lastClr="FFFFFF"/>
-        </a:lt1>
-        <a:dk2>
-          <a:srgbClr val="464653"/>
-        </a:dk2>
-        <a:lt2>
-          <a:srgbClr val="DDE9EC"/>
-        </a:lt2>
-        <a:accent1>
-          <a:srgbClr val="727CA3"/>
-        </a:accent1>
-        <a:accent2>
-          <a:srgbClr val="9FB8CD"/>
-        </a:accent2>
-        <a:accent3>
-          <a:srgbClr val="D2DA7A"/>
-        </a:accent3>
-        <a:accent4>
-          <a:srgbClr val="FADA7A"/>
-        </a:accent4>
-        <a:accent5>
-          <a:srgbClr val="B88472"/>
-        </a:accent5>
-        <a:accent6>
-          <a:srgbClr val="8E736A"/>
-        </a:accent6>
-        <a:hlink>
-          <a:srgbClr val="B292CA"/>
-        </a:hlink>
-        <a:folHlink>
-          <a:srgbClr val="6B5680"/>
-        </a:folHlink>
-      </a:clrScheme>
-      <a:clrMap bg1="lt1" tx1="dk1" bg2="lt2" tx2="dk2" accent1="accent1" accent2="accent2" accent3="accent3" accent4="accent4" accent5="accent5" accent6="accent6" hlink="hlink" folHlink="folHlink"/>
-    </a:extraClrScheme>
-    <a:extraClrScheme>
-      <a:clrScheme name="Paper">
-        <a:dk1>
-          <a:sysClr val="windowText" lastClr="000000"/>
-        </a:dk1>
-        <a:lt1>
-          <a:sysClr val="window" lastClr="FFFFFF"/>
-        </a:lt1>
-        <a:dk2>
-          <a:srgbClr val="444D26"/>
-        </a:dk2>
-        <a:lt2>
-          <a:srgbClr val="FEFAC9"/>
-        </a:lt2>
-        <a:accent1>
-          <a:srgbClr val="A5B592"/>
-        </a:accent1>
-        <a:accent2>
-          <a:srgbClr val="F3A447"/>
-        </a:accent2>
-        <a:accent3>
-          <a:srgbClr val="E7BC29"/>
-        </a:accent3>
-        <a:accent4>
-          <a:srgbClr val="D092A7"/>
-        </a:accent4>
-        <a:accent5>
-          <a:srgbClr val="9C85C0"/>
-        </a:accent5>
-        <a:accent6>
-          <a:srgbClr val="809EC2"/>
-        </a:accent6>
-        <a:hlink>
-          <a:srgbClr val="8E58B6"/>
-        </a:hlink>
-        <a:folHlink>
-          <a:srgbClr val="7F6F6F"/>
-        </a:folHlink>
-      </a:clrScheme>
-      <a:clrMap bg1="lt1" tx1="dk1" bg2="lt2" tx2="dk2" accent1="accent1" accent2="accent2" accent3="accent3" accent4="accent4" accent5="accent5" accent6="accent6" hlink="hlink" folHlink="folHlink"/>
-    </a:extraClrScheme>
-    <a:extraClrScheme>
-      <a:clrScheme name="Solstice">
-        <a:dk1>
-          <a:sysClr val="windowText" lastClr="000000"/>
-        </a:dk1>
-        <a:lt1>
-          <a:sysClr val="window" lastClr="FFFFFF"/>
-        </a:lt1>
-        <a:dk2>
-          <a:srgbClr val="4F271C"/>
-        </a:dk2>
-        <a:lt2>
-          <a:srgbClr val="E7DEC9"/>
-        </a:lt2>
-        <a:accent1>
-          <a:srgbClr val="3891A7"/>
-        </a:accent1>
-        <a:accent2>
-          <a:srgbClr val="FEB80A"/>
-        </a:accent2>
-        <a:accent3>
-          <a:srgbClr val="C32D2E"/>
-        </a:accent3>
-        <a:accent4>
-          <a:srgbClr val="84AA33"/>
-        </a:accent4>
-        <a:accent5>
-          <a:srgbClr val="964305"/>
-        </a:accent5>
-        <a:accent6>
-          <a:srgbClr val="475A8D"/>
-        </a:accent6>
-        <a:hlink>
-          <a:srgbClr val="8DC765"/>
-        </a:hlink>
-        <a:folHlink>
-          <a:srgbClr val="AA8A14"/>
-        </a:folHlink>
-      </a:clrScheme>
-      <a:clrMap bg1="lt1" tx1="dk1" bg2="lt2" tx2="dk2" accent1="accent1" accent2="accent2" accent3="accent3" accent4="accent4" accent5="accent5" accent6="accent6" hlink="hlink" folHlink="folHlink"/>
-    </a:extraClrScheme>
-    <a:extraClrScheme>
-      <a:clrScheme name="Technic">
-        <a:dk1>
-          <a:sysClr val="windowText" lastClr="000000"/>
-        </a:dk1>
-        <a:lt1>
-          <a:sysClr val="window" lastClr="FFFFFF"/>
-        </a:lt1>
-        <a:dk2>
-          <a:srgbClr val="3B3B3B"/>
-        </a:dk2>
-        <a:lt2>
-          <a:srgbClr val="D4D2D0"/>
-        </a:lt2>
-        <a:accent1>
-          <a:srgbClr val="6EA0B0"/>
-        </a:accent1>
-        <a:accent2>
-          <a:srgbClr val="CCAF0A"/>
-        </a:accent2>
-        <a:accent3>
-          <a:srgbClr val="8D89A4"/>
-        </a:accent3>
-        <a:accent4>
-          <a:srgbClr val="748560"/>
-        </a:accent4>
-        <a:accent5>
-          <a:srgbClr val="9E9273"/>
-        </a:accent5>
-        <a:accent6>
-          <a:srgbClr val="7E848D"/>
-        </a:accent6>
-        <a:hlink>
-          <a:srgbClr val="00C8C3"/>
-        </a:hlink>
-        <a:folHlink>
-          <a:srgbClr val="A116E0"/>
-        </a:folHlink>
-      </a:clrScheme>
-      <a:clrMap bg1="lt1" tx1="dk1" bg2="lt2" tx2="dk2" accent1="accent1" accent2="accent2" accent3="accent3" accent4="accent4" accent5="accent5" accent6="accent6" hlink="hlink" folHlink="folHlink"/>
-    </a:extraClrScheme>
-    <a:extraClrScheme>
-      <a:clrScheme name="Trek">
-        <a:dk1>
-          <a:sysClr val="windowText" lastClr="000000"/>
-        </a:dk1>
-        <a:lt1>
-          <a:sysClr val="window" lastClr="FFFFFF"/>
-        </a:lt1>
-        <a:dk2>
-          <a:srgbClr val="4E3B30"/>
-        </a:dk2>
-        <a:lt2>
-          <a:srgbClr val="FBEEC9"/>
-        </a:lt2>
-        <a:accent1>
-          <a:srgbClr val="F0A22E"/>
-        </a:accent1>
-        <a:accent2>
-          <a:srgbClr val="A5644E"/>
-        </a:accent2>
-        <a:accent3>
-          <a:srgbClr val="B58B80"/>
-        </a:accent3>
-        <a:accent4>
-          <a:srgbClr val="C3986D"/>
-        </a:accent4>
-        <a:accent5>
-          <a:srgbClr val="A19574"/>
-        </a:accent5>
-        <a:accent6>
-          <a:srgbClr val="C17529"/>
-        </a:accent6>
-        <a:hlink>
-          <a:srgbClr val="AD1F1F"/>
-        </a:hlink>
-        <a:folHlink>
-          <a:srgbClr val="FFC42F"/>
-        </a:folHlink>
-      </a:clrScheme>
-      <a:clrMap bg1="lt1" tx1="dk1" bg2="lt2" tx2="dk2" accent1="accent1" accent2="accent2" accent3="accent3" accent4="accent4" accent5="accent5" accent6="accent6" hlink="hlink" folHlink="folHlink"/>
-    </a:extraClrScheme>
-    <a:extraClrScheme>
-      <a:clrScheme name="Urban">
-        <a:dk1>
-          <a:sysClr val="windowText" lastClr="000000"/>
-        </a:dk1>
-        <a:lt1>
-          <a:sysClr val="window" lastClr="FFFFFF"/>
-        </a:lt1>
-        <a:dk2>
-          <a:srgbClr val="424456"/>
-        </a:dk2>
-        <a:lt2>
-          <a:srgbClr val="DEDEDE"/>
-        </a:lt2>
-        <a:accent1>
-          <a:srgbClr val="53548A"/>
-        </a:accent1>
-        <a:accent2>
-          <a:srgbClr val="438086"/>
-        </a:accent2>
-        <a:accent3>
-          <a:srgbClr val="A04DA3"/>
-        </a:accent3>
-        <a:accent4>
-          <a:srgbClr val="C4652D"/>
-        </a:accent4>
-        <a:accent5>
-          <a:srgbClr val="8B5D3D"/>
-        </a:accent5>
-        <a:accent6>
-          <a:srgbClr val="5C92B5"/>
-        </a:accent6>
-        <a:hlink>
-          <a:srgbClr val="67AFBD"/>
-        </a:hlink>
-        <a:folHlink>
-          <a:srgbClr val="C2A874"/>
-        </a:folHlink>
-      </a:clrScheme>
-      <a:clrMap bg1="lt1" tx1="dk1" bg2="lt2" tx2="dk2" accent1="accent1" accent2="accent2" accent3="accent3" accent4="accent4" accent5="accent5" accent6="accent6" hlink="hlink" folHlink="folHlink"/>
-    </a:extraClrScheme>
-    <a:extraClrScheme>
-      <a:clrScheme name="Verve">
-        <a:dk1>
-          <a:sysClr val="windowText" lastClr="000000"/>
-        </a:dk1>
-        <a:lt1>
-          <a:sysClr val="window" lastClr="FFFFFF"/>
-        </a:lt1>
-        <a:dk2>
-          <a:srgbClr val="666666"/>
-        </a:dk2>
-        <a:lt2>
-          <a:srgbClr val="D2D2D2"/>
-        </a:lt2>
-        <a:accent1>
-          <a:srgbClr val="FF388C"/>
-        </a:accent1>
-        <a:accent2>
-          <a:srgbClr val="E40059"/>
-        </a:accent2>
-        <a:accent3>
-          <a:srgbClr val="9C007F"/>
-        </a:accent3>
-        <a:accent4>
-          <a:srgbClr val="68007F"/>
-        </a:accent4>
-        <a:accent5>
-          <a:srgbClr val="005BD3"/>
-        </a:accent5>
-        <a:accent6>
-          <a:srgbClr val="00349E"/>
-        </a:accent6>
-        <a:hlink>
-          <a:srgbClr val="17BBFD"/>
-        </a:hlink>
-        <a:folHlink>
-          <a:srgbClr val="FF79C2"/>
-        </a:folHlink>
-      </a:clrScheme>
-      <a:clrMap bg1="lt1" tx1="dk1" bg2="lt2" tx2="dk2" accent1="accent1" accent2="accent2" accent3="accent3" accent4="accent4" accent5="accent5" accent6="accent6" hlink="hlink" folHlink="folHlink"/>
-    </a:extraClrScheme>
-    <a:extraClrScheme>
-      <a:clrScheme name="Custom">
-        <a:dk1>
-          <a:srgbClr val="0F243E"/>
-        </a:dk1>
-        <a:lt1>
-          <a:sysClr val="window" lastClr="FFFFFF"/>
-        </a:lt1>
-        <a:dk2>
-          <a:srgbClr val="1F497D"/>
-        </a:dk2>
-        <a:lt2>
-          <a:srgbClr val="EEECE1"/>
-        </a:lt2>
-        <a:accent1>
-          <a:srgbClr val="0000FF"/>
-        </a:accent1>
-        <a:accent2>
-          <a:srgbClr val="FE19FF"/>
-        </a:accent2>
-        <a:accent3>
-          <a:srgbClr val="00B050"/>
-        </a:accent3>
-        <a:accent4>
-          <a:srgbClr val="FF0000"/>
-        </a:accent4>
-        <a:accent5>
-          <a:srgbClr val="4BACC6"/>
-        </a:accent5>
-        <a:accent6>
-          <a:srgbClr val="FFFF00"/>
-        </a:accent6>
-        <a:hlink>
-          <a:srgbClr val="548DD4"/>
-        </a:hlink>
-        <a:folHlink>
-          <a:srgbClr val="FE19FF"/>
-        </a:folHlink>
-      </a:clrScheme>
-      <a:clrMap bg1="lt1" tx1="dk1" bg2="lt2" tx2="dk2" accent1="accent1" accent2="accent2" accent3="accent3" accent4="accent4" accent5="accent5" accent6="accent6" hlink="hlink" folHlink="folHlink"/>
-    </a:extraClrScheme>
-  </a:extraClrSchemeLst>
+  <a:extraClrSchemeLst/>
 </a:theme>
 </file>
--- a/PowerPoint/themes/theme9/corner.pptx
+++ b/PowerPoint/themes/theme9/corner.pptx
@@ -109,7 +109,7 @@
 
 <file path=ppt/slideLayouts/slideLayout1.xml><?xml version="1.0" encoding="utf-8"?>
 <p:sldLayout xmlns:a="http://schemas.openxmlformats.org/drawingml/2006/main" xmlns:r="http://schemas.openxmlformats.org/officeDocument/2006/relationships" xmlns:p="http://schemas.openxmlformats.org/presentationml/2006/main" type="title" preserve="1">
-  <p:cSld name="Титульный слайд">
+  <p:cSld name="Title Slide">
     <p:spTree>
       <p:nvGrpSpPr>
         <p:cNvPr id="1" name=""/>
@@ -362,7 +362,7 @@
 
 <file path=ppt/slideLayouts/slideLayout10.xml><?xml version="1.0" encoding="utf-8"?>
 <p:sldLayout xmlns:a="http://schemas.openxmlformats.org/drawingml/2006/main" xmlns:r="http://schemas.openxmlformats.org/officeDocument/2006/relationships" xmlns:p="http://schemas.openxmlformats.org/presentationml/2006/main" type="vertTx" preserve="1">
-  <p:cSld name="Заголовок и вертикальный текст">
+  <p:cSld name="Title and Vertical Text">
     <p:spTree>
       <p:nvGrpSpPr>
         <p:cNvPr id="1" name=""/>
@@ -539,7 +539,7 @@
 
 <file path=ppt/slideLayouts/slideLayout11.xml><?xml version="1.0" encoding="utf-8"?>
 <p:sldLayout xmlns:a="http://schemas.openxmlformats.org/drawingml/2006/main" xmlns:r="http://schemas.openxmlformats.org/officeDocument/2006/relationships" xmlns:p="http://schemas.openxmlformats.org/presentationml/2006/main" type="vertTitleAndTx" preserve="1">
-  <p:cSld name="Вертикальный заголовок и текст">
+  <p:cSld name="Vertical Title and Text">
     <p:spTree>
       <p:nvGrpSpPr>
         <p:cNvPr id="1" name=""/>
@@ -730,7 +730,7 @@
 
 <file path=ppt/slideLayouts/slideLayout2.xml><?xml version="1.0" encoding="utf-8"?>
 <p:sldLayout xmlns:a="http://schemas.openxmlformats.org/drawingml/2006/main" xmlns:r="http://schemas.openxmlformats.org/officeDocument/2006/relationships" xmlns:p="http://schemas.openxmlformats.org/presentationml/2006/main" type="obj" preserve="1">
-  <p:cSld name="Заголовок и объект">
+  <p:cSld name="Title and Content">
     <p:spTree>
       <p:nvGrpSpPr>
         <p:cNvPr id="1" name=""/>
@@ -907,7 +907,7 @@
 
 <file path=ppt/slideLayouts/slideLayout3.xml><?xml version="1.0" encoding="utf-8"?>
 <p:sldLayout xmlns:a="http://schemas.openxmlformats.org/drawingml/2006/main" xmlns:r="http://schemas.openxmlformats.org/officeDocument/2006/relationships" xmlns:p="http://schemas.openxmlformats.org/presentationml/2006/main" type="secHead" preserve="1">
-  <p:cSld name="Заголовок раздела">
+  <p:cSld name="Section Header">
     <p:spTree>
       <p:nvGrpSpPr>
         <p:cNvPr id="1" name=""/>
@@ -1160,7 +1160,7 @@
 
 <file path=ppt/slideLayouts/slideLayout4.xml><?xml version="1.0" encoding="utf-8"?>
 <p:sldLayout xmlns:a="http://schemas.openxmlformats.org/drawingml/2006/main" xmlns:r="http://schemas.openxmlformats.org/officeDocument/2006/relationships" xmlns:p="http://schemas.openxmlformats.org/presentationml/2006/main" type="twoObj" preserve="1">
-  <p:cSld name="Два объекта">
+  <p:cSld name="Two Content">
     <p:spTree>
       <p:nvGrpSpPr>
         <p:cNvPr id="1" name=""/>
@@ -1455,7 +1455,7 @@
 
 <file path=ppt/slideLayouts/slideLayout5.xml><?xml version="1.0" encoding="utf-8"?>
 <p:sldLayout xmlns:a="http://schemas.openxmlformats.org/drawingml/2006/main" xmlns:r="http://schemas.openxmlformats.org/officeDocument/2006/relationships" xmlns:p="http://schemas.openxmlformats.org/presentationml/2006/main" type="twoTxTwoObj" preserve="1">
-  <p:cSld name="Сравнение">
+  <p:cSld name="Comparison">
     <p:spTree>
       <p:nvGrpSpPr>
         <p:cNvPr id="1" name=""/>
@@ -1884,7 +1884,7 @@
 
 <file path=ppt/slideLayouts/slideLayout6.xml><?xml version="1.0" encoding="utf-8"?>
 <p:sldLayout xmlns:a="http://schemas.openxmlformats.org/drawingml/2006/main" xmlns:r="http://schemas.openxmlformats.org/officeDocument/2006/relationships" xmlns:p="http://schemas.openxmlformats.org/presentationml/2006/main" type="titleOnly" preserve="1">
-  <p:cSld name="Только заголовок">
+  <p:cSld name="Title Only">
     <p:spTree>
       <p:nvGrpSpPr>
         <p:cNvPr id="1" name=""/>
@@ -2009,7 +2009,7 @@
 
 <file path=ppt/slideLayouts/slideLayout7.xml><?xml version="1.0" encoding="utf-8"?>
 <p:sldLayout xmlns:a="http://schemas.openxmlformats.org/drawingml/2006/main" xmlns:r="http://schemas.openxmlformats.org/officeDocument/2006/relationships" xmlns:p="http://schemas.openxmlformats.org/presentationml/2006/main" type="blank" preserve="1">
-  <p:cSld name="Пустой слайд">
+  <p:cSld name="Blank">
     <p:spTree>
       <p:nvGrpSpPr>
         <p:cNvPr id="1" name=""/>
@@ -2111,7 +2111,7 @@
 
 <file path=ppt/slideLayouts/slideLayout8.xml><?xml version="1.0" encoding="utf-8"?>
 <p:sldLayout xmlns:a="http://schemas.openxmlformats.org/drawingml/2006/main" xmlns:r="http://schemas.openxmlformats.org/officeDocument/2006/relationships" xmlns:p="http://schemas.openxmlformats.org/presentationml/2006/main" type="objTx" preserve="1">
-  <p:cSld name="Объект с подписью">
+  <p:cSld name="Content with Caption">
     <p:spTree>
       <p:nvGrpSpPr>
         <p:cNvPr id="1" name=""/>
@@ -2395,7 +2395,7 @@
 
 <file path=ppt/slideLayouts/slideLayout9.xml><?xml version="1.0" encoding="utf-8"?>
 <p:sldLayout xmlns:a="http://schemas.openxmlformats.org/drawingml/2006/main" xmlns:r="http://schemas.openxmlformats.org/officeDocument/2006/relationships" xmlns:p="http://schemas.openxmlformats.org/presentationml/2006/main" type="picTx" preserve="1">
-  <p:cSld name="Рисунок с подписью">
+  <p:cSld name="Picture with Caption">
     <p:spTree>
       <p:nvGrpSpPr>
         <p:cNvPr id="1" name=""/>
